--- a/spring configs (ru).pptx
+++ b/spring configs (ru).pptx
@@ -7204,6 +7204,14 @@
               </a:rPr>
               <a:t> расхождения между средой разработки и средой выполнения</a:t>
             </a:r>
+            <a:endParaRPr lang="en-US">
+              <a:solidFill>
+                <a:schemeClr val="bg1"/>
+              </a:solidFill>
+              <a:sym typeface="+mn-ea"/>
+            </a:endParaRPr>
+          </a:p>
+          <a:p>
             <a:r>
               <a:rPr lang="ru-RU" altLang="en-US">
                 <a:solidFill>
@@ -8647,6 +8655,9 @@
                     <p:cTn id="3" fill="hold">
                       <p:stCondLst>
                         <p:cond delay="indefinite"/>
+                        <p:cond evt="onBegin" delay="0">
+                          <p:tn val="2"/>
+                        </p:cond>
                       </p:stCondLst>
                       <p:childTnLst>
                         <p:par>
@@ -8656,7 +8667,7 @@
                             </p:stCondLst>
                             <p:childTnLst>
                               <p:par>
-                                <p:cTn id="5" presetID="3" presetClass="emph" presetSubtype="2" fill="hold" nodeType="clickEffect">
+                                <p:cTn id="5" presetID="3" presetClass="emph" presetSubtype="2" fill="hold" nodeType="withEffect">
                                   <p:stCondLst>
                                     <p:cond delay="0"/>
                                   </p:stCondLst>
@@ -8682,33 +8693,15 @@
                                   </p:childTnLst>
                                 </p:cTn>
                               </p:par>
-                            </p:childTnLst>
-                          </p:cTn>
-                        </p:par>
-                      </p:childTnLst>
-                    </p:cTn>
-                  </p:par>
-                  <p:par>
-                    <p:cTn id="7" fill="hold">
-                      <p:stCondLst>
-                        <p:cond delay="indefinite"/>
-                      </p:stCondLst>
-                      <p:childTnLst>
-                        <p:par>
-                          <p:cTn id="8" fill="hold">
-                            <p:stCondLst>
-                              <p:cond delay="0"/>
-                            </p:stCondLst>
-                            <p:childTnLst>
                               <p:par>
-                                <p:cTn id="9" presetID="3" presetClass="emph" presetSubtype="2" fill="hold" nodeType="clickEffect">
+                                <p:cTn id="7" presetID="3" presetClass="emph" presetSubtype="2" fill="hold" nodeType="withEffect">
                                   <p:stCondLst>
                                     <p:cond delay="0"/>
                                   </p:stCondLst>
                                   <p:childTnLst>
                                     <p:animClr clrSpc="rgb" dir="cw">
                                       <p:cBhvr override="childStyle">
-                                        <p:cTn id="10" dur="500" fill="hold"/>
+                                        <p:cTn id="8" dur="500" fill="hold"/>
                                         <p:tgtEl>
                                           <p:spTgt spid="3">
                                             <p:txEl>
@@ -8812,13 +8805,13 @@
         </p:nvSpPr>
         <p:spPr>
           <a:xfrm>
-            <a:off x="838200" y="2334260"/>
-            <a:ext cx="10515600" cy="3843020"/>
+            <a:off x="838200" y="1691005"/>
+            <a:ext cx="10515600" cy="4486275"/>
           </a:xfrm>
         </p:spPr>
         <p:txBody>
           <a:bodyPr>
-            <a:normAutofit fontScale="90000"/>
+            <a:normAutofit fontScale="80000"/>
           </a:bodyPr>
           <a:p>
             <a:pPr marL="0" indent="0">
@@ -8838,8 +8831,9 @@
                 <a:solidFill>
                   <a:schemeClr val="bg1"/>
                 </a:solidFill>
-              </a:rPr>
-              <a:t>Под конфигами подразумевается все что меняется при разных деплоях</a:t>
+                <a:sym typeface="+mn-ea"/>
+              </a:rPr>
+              <a:t>Конфигурация хранится в переменных окружения</a:t>
             </a:r>
             <a:endParaRPr lang="ru-RU" altLang="en-US">
               <a:solidFill>
@@ -8866,9 +8860,9 @@
                   <a:schemeClr val="bg1"/>
                 </a:solidFill>
               </a:rPr>
-              <a:t>Требуется жесткое отделение конфигов от кода. Конфиги существенно различаются для каждого окружения, код - нет</a:t>
-            </a:r>
-            <a:endParaRPr lang="en-US">
+              <a:t>Под конфигурацией подразумевается все что меняется при разных деплоях</a:t>
+            </a:r>
+            <a:endParaRPr lang="ru-RU" altLang="en-US">
               <a:solidFill>
                 <a:schemeClr val="bg1"/>
               </a:solidFill>
@@ -8893,17 +8887,9 @@
                   <a:schemeClr val="bg1"/>
                 </a:solidFill>
               </a:rPr>
-              <a:t>Лакмусовая бумажка что все конфиги правильно отделены от кода - можно ли выложить код в открытый доступ </a:t>
-            </a:r>
-            <a:r>
-              <a:rPr lang="ru-RU">
-                <a:solidFill>
-                  <a:schemeClr val="bg1"/>
-                </a:solidFill>
-              </a:rPr>
-              <a:t>без компрометации учетных данных</a:t>
-            </a:r>
-            <a:endParaRPr lang="ru-RU">
+              <a:t>Требуется жесткое отделение конфигурации от кода. Конфигурация существенно различается для каждого окружения, код - нет</a:t>
+            </a:r>
+            <a:endParaRPr lang="en-US">
               <a:solidFill>
                 <a:schemeClr val="bg1"/>
               </a:solidFill>
@@ -8928,203 +8914,33 @@
                   <a:schemeClr val="bg1"/>
                 </a:solidFill>
               </a:rPr>
-              <a:t>Данное определение не включает внутренние настройки приложения</a:t>
-            </a:r>
-            <a:endParaRPr lang="ru-RU" altLang="en-US">
-              <a:solidFill>
-                <a:schemeClr val="bg1"/>
-              </a:solidFill>
-            </a:endParaRPr>
-          </a:p>
-        </p:txBody>
-      </p:sp>
-      <p:sp>
-        <p:nvSpPr>
-          <p:cNvPr id="5" name="Content Placeholder 2"/>
-          <p:cNvSpPr>
-            <a:spLocks noGrp="1"/>
-          </p:cNvSpPr>
-          <p:nvPr/>
-        </p:nvSpPr>
-        <p:spPr>
-          <a:xfrm>
-            <a:off x="838200" y="1691005"/>
-            <a:ext cx="10514965" cy="642620"/>
-          </a:xfrm>
-          <a:prstGeom prst="rect">
-            <a:avLst/>
-          </a:prstGeom>
-        </p:spPr>
-        <p:txBody>
-          <a:bodyPr vert="horz" lIns="91440" tIns="45720" rIns="91440" bIns="45720" rtlCol="0">
-            <a:normAutofit/>
-          </a:bodyPr>
-          <a:lstStyle>
-            <a:lvl1pPr marL="228600" indent="-228600" algn="l" defTabSz="914400" rtl="0" eaLnBrk="1" latinLnBrk="0" hangingPunct="1">
+              <a:t>Лакмусовая бумажка - конфигурация правильно отделена от кода, если можно выложить код в открытый доступ </a:t>
+            </a:r>
+            <a:r>
+              <a:rPr lang="ru-RU">
+                <a:solidFill>
+                  <a:schemeClr val="bg1"/>
+                </a:solidFill>
+              </a:rPr>
+              <a:t>без компрометации учетных данных</a:t>
+            </a:r>
+            <a:endParaRPr lang="ru-RU">
+              <a:solidFill>
+                <a:schemeClr val="bg1"/>
+              </a:solidFill>
+            </a:endParaRPr>
+          </a:p>
+          <a:p>
+            <a:pPr marL="0" indent="0">
               <a:lnSpc>
-                <a:spcPct val="90000"/>
+                <a:spcPct val="110000"/>
               </a:lnSpc>
               <a:spcBef>
-                <a:spcPts val="1000"/>
+                <a:spcPts val="3000"/>
               </a:spcBef>
-              <a:buFont typeface="Arial" panose="020B0604020202020204" pitchFamily="34" charset="0"/>
-              <a:buChar char="•"/>
-              <a:defRPr sz="2800" kern="1200">
-                <a:solidFill>
-                  <a:schemeClr val="tx1"/>
-                </a:solidFill>
-                <a:latin typeface="+mn-lt"/>
-                <a:ea typeface="+mn-ea"/>
-                <a:cs typeface="+mn-cs"/>
-              </a:defRPr>
-            </a:lvl1pPr>
-            <a:lvl2pPr marL="685800" indent="-228600" algn="l" defTabSz="914400" rtl="0" eaLnBrk="1" latinLnBrk="0" hangingPunct="1">
-              <a:lnSpc>
-                <a:spcPct val="90000"/>
-              </a:lnSpc>
-              <a:spcBef>
-                <a:spcPts val="500"/>
-              </a:spcBef>
-              <a:buFont typeface="Arial" panose="020B0604020202020204" pitchFamily="34" charset="0"/>
-              <a:buChar char="•"/>
-              <a:defRPr sz="2400" kern="1200">
-                <a:solidFill>
-                  <a:schemeClr val="tx1"/>
-                </a:solidFill>
-                <a:latin typeface="+mn-lt"/>
-                <a:ea typeface="+mn-ea"/>
-                <a:cs typeface="+mn-cs"/>
-              </a:defRPr>
-            </a:lvl2pPr>
-            <a:lvl3pPr marL="1143000" indent="-228600" algn="l" defTabSz="914400" rtl="0" eaLnBrk="1" latinLnBrk="0" hangingPunct="1">
-              <a:lnSpc>
-                <a:spcPct val="90000"/>
-              </a:lnSpc>
-              <a:spcBef>
-                <a:spcPts val="500"/>
-              </a:spcBef>
-              <a:buFont typeface="Arial" panose="020B0604020202020204" pitchFamily="34" charset="0"/>
-              <a:buChar char="•"/>
-              <a:defRPr sz="2000" kern="1200">
-                <a:solidFill>
-                  <a:schemeClr val="tx1"/>
-                </a:solidFill>
-                <a:latin typeface="+mn-lt"/>
-                <a:ea typeface="+mn-ea"/>
-                <a:cs typeface="+mn-cs"/>
-              </a:defRPr>
-            </a:lvl3pPr>
-            <a:lvl4pPr marL="1600200" indent="-228600" algn="l" defTabSz="914400" rtl="0" eaLnBrk="1" latinLnBrk="0" hangingPunct="1">
-              <a:lnSpc>
-                <a:spcPct val="90000"/>
-              </a:lnSpc>
-              <a:spcBef>
-                <a:spcPts val="500"/>
-              </a:spcBef>
-              <a:buFont typeface="Arial" panose="020B0604020202020204" pitchFamily="34" charset="0"/>
-              <a:buChar char="•"/>
-              <a:defRPr sz="1800" kern="1200">
-                <a:solidFill>
-                  <a:schemeClr val="tx1"/>
-                </a:solidFill>
-                <a:latin typeface="+mn-lt"/>
-                <a:ea typeface="+mn-ea"/>
-                <a:cs typeface="+mn-cs"/>
-              </a:defRPr>
-            </a:lvl4pPr>
-            <a:lvl5pPr marL="2057400" indent="-228600" algn="l" defTabSz="914400" rtl="0" eaLnBrk="1" latinLnBrk="0" hangingPunct="1">
-              <a:lnSpc>
-                <a:spcPct val="90000"/>
-              </a:lnSpc>
-              <a:spcBef>
-                <a:spcPts val="500"/>
-              </a:spcBef>
-              <a:buFont typeface="Arial" panose="020B0604020202020204" pitchFamily="34" charset="0"/>
-              <a:buChar char="•"/>
-              <a:defRPr sz="1800" kern="1200">
-                <a:solidFill>
-                  <a:schemeClr val="tx1"/>
-                </a:solidFill>
-                <a:latin typeface="+mn-lt"/>
-                <a:ea typeface="+mn-ea"/>
-                <a:cs typeface="+mn-cs"/>
-              </a:defRPr>
-            </a:lvl5pPr>
-            <a:lvl6pPr marL="2514600" indent="-228600" algn="l" defTabSz="914400" rtl="0" eaLnBrk="1" latinLnBrk="0" hangingPunct="1">
-              <a:lnSpc>
-                <a:spcPct val="90000"/>
-              </a:lnSpc>
-              <a:spcBef>
-                <a:spcPts val="500"/>
-              </a:spcBef>
-              <a:buFont typeface="Arial" panose="020B0604020202020204" pitchFamily="34" charset="0"/>
-              <a:buChar char="•"/>
-              <a:defRPr sz="1800" kern="1200">
-                <a:solidFill>
-                  <a:schemeClr val="tx1"/>
-                </a:solidFill>
-                <a:latin typeface="+mn-lt"/>
-                <a:ea typeface="+mn-ea"/>
-                <a:cs typeface="+mn-cs"/>
-              </a:defRPr>
-            </a:lvl6pPr>
-            <a:lvl7pPr marL="2971800" indent="-228600" algn="l" defTabSz="914400" rtl="0" eaLnBrk="1" latinLnBrk="0" hangingPunct="1">
-              <a:lnSpc>
-                <a:spcPct val="90000"/>
-              </a:lnSpc>
-              <a:spcBef>
-                <a:spcPts val="500"/>
-              </a:spcBef>
-              <a:buFont typeface="Arial" panose="020B0604020202020204" pitchFamily="34" charset="0"/>
-              <a:buChar char="•"/>
-              <a:defRPr sz="1800" kern="1200">
-                <a:solidFill>
-                  <a:schemeClr val="tx1"/>
-                </a:solidFill>
-                <a:latin typeface="+mn-lt"/>
-                <a:ea typeface="+mn-ea"/>
-                <a:cs typeface="+mn-cs"/>
-              </a:defRPr>
-            </a:lvl7pPr>
-            <a:lvl8pPr marL="3429000" indent="-228600" algn="l" defTabSz="914400" rtl="0" eaLnBrk="1" latinLnBrk="0" hangingPunct="1">
-              <a:lnSpc>
-                <a:spcPct val="90000"/>
-              </a:lnSpc>
-              <a:spcBef>
-                <a:spcPts val="500"/>
-              </a:spcBef>
-              <a:buFont typeface="Arial" panose="020B0604020202020204" pitchFamily="34" charset="0"/>
-              <a:buChar char="•"/>
-              <a:defRPr sz="1800" kern="1200">
-                <a:solidFill>
-                  <a:schemeClr val="tx1"/>
-                </a:solidFill>
-                <a:latin typeface="+mn-lt"/>
-                <a:ea typeface="+mn-ea"/>
-                <a:cs typeface="+mn-cs"/>
-              </a:defRPr>
-            </a:lvl8pPr>
-            <a:lvl9pPr marL="3886200" indent="-228600" algn="l" defTabSz="914400" rtl="0" eaLnBrk="1" latinLnBrk="0" hangingPunct="1">
-              <a:lnSpc>
-                <a:spcPct val="90000"/>
-              </a:lnSpc>
-              <a:spcBef>
-                <a:spcPts val="500"/>
-              </a:spcBef>
-              <a:buFont typeface="Arial" panose="020B0604020202020204" pitchFamily="34" charset="0"/>
-              <a:buChar char="•"/>
-              <a:defRPr sz="1800" kern="1200">
-                <a:solidFill>
-                  <a:schemeClr val="tx1"/>
-                </a:solidFill>
-                <a:latin typeface="+mn-lt"/>
-                <a:ea typeface="+mn-ea"/>
-                <a:cs typeface="+mn-cs"/>
-              </a:defRPr>
-            </a:lvl9pPr>
-          </a:lstStyle>
-          <a:p>
-            <a:pPr marL="0" indent="0">
+              <a:spcAft>
+                <a:spcPts val="0"/>
+              </a:spcAft>
               <a:buNone/>
             </a:pPr>
             <a:r>
@@ -9133,7 +8949,7 @@
                   <a:schemeClr val="bg1"/>
                 </a:solidFill>
               </a:rPr>
-              <a:t>Конфиги хранятся в переменных окружения</a:t>
+              <a:t>Данное определение не включает внутренние настройки приложения</a:t>
             </a:r>
             <a:endParaRPr lang="ru-RU" altLang="en-US">
               <a:solidFill>
@@ -11064,7 +10880,183 @@
   <p:timing>
     <p:tnLst>
       <p:par>
-        <p:cTn id="1" dur="indefinite" restart="never" nodeType="tmRoot"/>
+        <p:cTn id="1" dur="indefinite" restart="never" nodeType="tmRoot">
+          <p:childTnLst>
+            <p:seq concurrent="1" nextAc="seek">
+              <p:cTn id="2" dur="indefinite" nodeType="mainSeq">
+                <p:childTnLst>
+                  <p:par>
+                    <p:cTn id="3" fill="hold">
+                      <p:stCondLst>
+                        <p:cond delay="indefinite"/>
+                      </p:stCondLst>
+                      <p:childTnLst>
+                        <p:par>
+                          <p:cTn id="4" fill="hold">
+                            <p:stCondLst>
+                              <p:cond delay="0"/>
+                            </p:stCondLst>
+                            <p:childTnLst>
+                              <p:par>
+                                <p:cTn id="5" presetID="3" presetClass="emph" presetSubtype="2" fill="hold" nodeType="clickEffect">
+                                  <p:stCondLst>
+                                    <p:cond delay="0"/>
+                                  </p:stCondLst>
+                                  <p:childTnLst>
+                                    <p:animClr clrSpc="rgb" dir="cw">
+                                      <p:cBhvr override="childStyle">
+                                        <p:cTn id="6" dur="2000" fill="hold"/>
+                                        <p:tgtEl>
+                                          <p:spTgt spid="3">
+                                            <p:txEl>
+                                              <p:pRg st="2" end="2"/>
+                                            </p:txEl>
+                                          </p:spTgt>
+                                        </p:tgtEl>
+                                        <p:attrNameLst>
+                                          <p:attrName>style.color</p:attrName>
+                                        </p:attrNameLst>
+                                      </p:cBhvr>
+                                      <p:to>
+                                        <a:srgbClr val="80eb6e"/>
+                                      </p:to>
+                                    </p:animClr>
+                                  </p:childTnLst>
+                                </p:cTn>
+                              </p:par>
+                              <p:par>
+                                <p:cTn id="7" presetID="3" presetClass="emph" presetSubtype="2" fill="hold" nodeType="withEffect">
+                                  <p:stCondLst>
+                                    <p:cond delay="0"/>
+                                  </p:stCondLst>
+                                  <p:childTnLst>
+                                    <p:animClr clrSpc="rgb" dir="cw">
+                                      <p:cBhvr override="childStyle">
+                                        <p:cTn id="8" dur="2000" fill="hold"/>
+                                        <p:tgtEl>
+                                          <p:spTgt spid="3">
+                                            <p:txEl>
+                                              <p:pRg st="3" end="3"/>
+                                            </p:txEl>
+                                          </p:spTgt>
+                                        </p:tgtEl>
+                                        <p:attrNameLst>
+                                          <p:attrName>style.color</p:attrName>
+                                        </p:attrNameLst>
+                                      </p:cBhvr>
+                                      <p:to>
+                                        <a:srgbClr val="80eb6e"/>
+                                      </p:to>
+                                    </p:animClr>
+                                  </p:childTnLst>
+                                </p:cTn>
+                              </p:par>
+                              <p:par>
+                                <p:cTn id="9" presetID="3" presetClass="emph" presetSubtype="2" fill="hold" nodeType="withEffect">
+                                  <p:stCondLst>
+                                    <p:cond delay="0"/>
+                                  </p:stCondLst>
+                                  <p:childTnLst>
+                                    <p:animClr clrSpc="rgb" dir="cw">
+                                      <p:cBhvr override="childStyle">
+                                        <p:cTn id="10" dur="2000" fill="hold"/>
+                                        <p:tgtEl>
+                                          <p:spTgt spid="3">
+                                            <p:txEl>
+                                              <p:pRg st="4" end="4"/>
+                                            </p:txEl>
+                                          </p:spTgt>
+                                        </p:tgtEl>
+                                        <p:attrNameLst>
+                                          <p:attrName>style.color</p:attrName>
+                                        </p:attrNameLst>
+                                      </p:cBhvr>
+                                      <p:to>
+                                        <a:srgbClr val="80eb6e"/>
+                                      </p:to>
+                                    </p:animClr>
+                                  </p:childTnLst>
+                                </p:cTn>
+                              </p:par>
+                              <p:par>
+                                <p:cTn id="11" presetID="3" presetClass="emph" presetSubtype="2" fill="hold" nodeType="withEffect">
+                                  <p:stCondLst>
+                                    <p:cond delay="0"/>
+                                  </p:stCondLst>
+                                  <p:childTnLst>
+                                    <p:animClr clrSpc="rgb" dir="cw">
+                                      <p:cBhvr override="childStyle">
+                                        <p:cTn id="12" dur="2000" fill="hold"/>
+                                        <p:tgtEl>
+                                          <p:spTgt spid="3">
+                                            <p:txEl>
+                                              <p:pRg st="8" end="8"/>
+                                            </p:txEl>
+                                          </p:spTgt>
+                                        </p:tgtEl>
+                                        <p:attrNameLst>
+                                          <p:attrName>style.color</p:attrName>
+                                        </p:attrNameLst>
+                                      </p:cBhvr>
+                                      <p:to>
+                                        <a:srgbClr val="80eb6e"/>
+                                      </p:to>
+                                    </p:animClr>
+                                  </p:childTnLst>
+                                </p:cTn>
+                              </p:par>
+                              <p:par>
+                                <p:cTn id="13" presetID="3" presetClass="emph" presetSubtype="2" fill="hold" nodeType="withEffect">
+                                  <p:stCondLst>
+                                    <p:cond delay="0"/>
+                                  </p:stCondLst>
+                                  <p:childTnLst>
+                                    <p:animClr clrSpc="rgb" dir="cw">
+                                      <p:cBhvr override="childStyle">
+                                        <p:cTn id="14" dur="2000" fill="hold"/>
+                                        <p:tgtEl>
+                                          <p:spTgt spid="3">
+                                            <p:txEl>
+                                              <p:pRg st="9" end="9"/>
+                                            </p:txEl>
+                                          </p:spTgt>
+                                        </p:tgtEl>
+                                        <p:attrNameLst>
+                                          <p:attrName>style.color</p:attrName>
+                                        </p:attrNameLst>
+                                      </p:cBhvr>
+                                      <p:to>
+                                        <a:srgbClr val="80eb6e"/>
+                                      </p:to>
+                                    </p:animClr>
+                                  </p:childTnLst>
+                                </p:cTn>
+                              </p:par>
+                            </p:childTnLst>
+                          </p:cTn>
+                        </p:par>
+                      </p:childTnLst>
+                    </p:cTn>
+                  </p:par>
+                </p:childTnLst>
+              </p:cTn>
+              <p:prevCondLst>
+                <p:cond evt="onPrev" delay="0">
+                  <p:tgtEl>
+                    <p:sldTgt/>
+                  </p:tgtEl>
+                </p:cond>
+              </p:prevCondLst>
+              <p:nextCondLst>
+                <p:cond evt="onNext" delay="0">
+                  <p:tgtEl>
+                    <p:sldTgt/>
+                  </p:tgtEl>
+                </p:cond>
+              </p:nextCondLst>
+            </p:seq>
+          </p:childTnLst>
+        </p:cTn>
       </p:par>
     </p:tnLst>
   </p:timing>
